--- a/documents/CodeVantis.pptx
+++ b/documents/CodeVantis.pptx
@@ -9558,10 +9558,10 @@
       </p:sp>
       <p:pic>
         <p:nvPicPr>
-          <p:cNvPr id="2" name="Logo">
+          <p:cNvPr id="4" name="Logo" descr="Ein Bild, das Text, Schrift, Grafiken, Grafikdesign enthält.&#10;&#10;KI-generierte Inhalte können fehlerhaft sein.">
             <a:extLst>
               <a:ext uri="{FF2B5EF4-FFF2-40B4-BE49-F238E27FC236}">
-                <a16:creationId xmlns:a16="http://schemas.microsoft.com/office/drawing/2014/main" id="{76812638-CD7A-F3A4-A51C-3FC24B275DC5}"/>
+                <a16:creationId xmlns:a16="http://schemas.microsoft.com/office/drawing/2014/main" id="{4954AD87-4952-8B3C-C1A6-184E2B11287C}"/>
               </a:ext>
             </a:extLst>
           </p:cNvPr>
@@ -9571,15 +9571,21 @@
           <p:nvPr/>
         </p:nvPicPr>
         <p:blipFill>
-          <a:blip r:embed="rId2"/>
+          <a:blip r:embed="rId2">
+            <a:extLst>
+              <a:ext uri="{28A0092B-C50C-407E-A947-70E740481C1C}">
+                <a14:useLocalDpi xmlns:a14="http://schemas.microsoft.com/office/drawing/2010/main" val="0"/>
+              </a:ext>
+            </a:extLst>
+          </a:blip>
           <a:stretch>
             <a:fillRect/>
           </a:stretch>
         </p:blipFill>
         <p:spPr>
           <a:xfrm>
-            <a:off x="9881417" y="141968"/>
-            <a:ext cx="2197475" cy="683314"/>
+            <a:off x="9944739" y="144000"/>
+            <a:ext cx="2142160" cy="422530"/>
           </a:xfrm>
           <a:prstGeom prst="rect">
             <a:avLst/>
@@ -12108,10 +12114,10 @@
       </p:sp>
       <p:pic>
         <p:nvPicPr>
-          <p:cNvPr id="2" name="Logo">
+          <p:cNvPr id="4" name="Logo" descr="Ein Bild, das Text, Schrift, Grafiken, Grafikdesign enthält.&#10;&#10;KI-generierte Inhalte können fehlerhaft sein.">
             <a:extLst>
               <a:ext uri="{FF2B5EF4-FFF2-40B4-BE49-F238E27FC236}">
-                <a16:creationId xmlns:a16="http://schemas.microsoft.com/office/drawing/2014/main" id="{5973A638-9506-672B-8E02-B3D54AC53FA5}"/>
+                <a16:creationId xmlns:a16="http://schemas.microsoft.com/office/drawing/2014/main" id="{58276FCF-4F76-D7D6-E66D-6D7AE6E86084}"/>
               </a:ext>
             </a:extLst>
           </p:cNvPr>
@@ -12121,15 +12127,21 @@
           <p:nvPr/>
         </p:nvPicPr>
         <p:blipFill>
-          <a:blip r:embed="rId2"/>
+          <a:blip r:embed="rId2">
+            <a:extLst>
+              <a:ext uri="{28A0092B-C50C-407E-A947-70E740481C1C}">
+                <a14:useLocalDpi xmlns:a14="http://schemas.microsoft.com/office/drawing/2010/main" val="0"/>
+              </a:ext>
+            </a:extLst>
+          </a:blip>
           <a:stretch>
             <a:fillRect/>
           </a:stretch>
         </p:blipFill>
         <p:spPr>
           <a:xfrm>
-            <a:off x="9881417" y="141968"/>
-            <a:ext cx="2197475" cy="683314"/>
+            <a:off x="9944739" y="144000"/>
+            <a:ext cx="2142160" cy="422530"/>
           </a:xfrm>
           <a:prstGeom prst="rect">
             <a:avLst/>
@@ -13767,10 +13779,10 @@
       </p:sp>
       <p:pic>
         <p:nvPicPr>
-          <p:cNvPr id="2" name="Logo">
+          <p:cNvPr id="4" name="Logo" descr="Ein Bild, das Text, Schrift, Grafiken, Grafikdesign enthält.&#10;&#10;KI-generierte Inhalte können fehlerhaft sein.">
             <a:extLst>
               <a:ext uri="{FF2B5EF4-FFF2-40B4-BE49-F238E27FC236}">
-                <a16:creationId xmlns:a16="http://schemas.microsoft.com/office/drawing/2014/main" id="{55CCFD16-424D-8887-E218-3059320922C0}"/>
+                <a16:creationId xmlns:a16="http://schemas.microsoft.com/office/drawing/2014/main" id="{2594F44E-6FB6-6413-9215-18111EB4CDE1}"/>
               </a:ext>
             </a:extLst>
           </p:cNvPr>
@@ -13780,15 +13792,21 @@
           <p:nvPr/>
         </p:nvPicPr>
         <p:blipFill>
-          <a:blip r:embed="rId2"/>
+          <a:blip r:embed="rId2">
+            <a:extLst>
+              <a:ext uri="{28A0092B-C50C-407E-A947-70E740481C1C}">
+                <a14:useLocalDpi xmlns:a14="http://schemas.microsoft.com/office/drawing/2010/main" val="0"/>
+              </a:ext>
+            </a:extLst>
+          </a:blip>
           <a:stretch>
             <a:fillRect/>
           </a:stretch>
         </p:blipFill>
         <p:spPr>
           <a:xfrm>
-            <a:off x="9881417" y="141968"/>
-            <a:ext cx="2197475" cy="683314"/>
+            <a:off x="9944739" y="144000"/>
+            <a:ext cx="2142160" cy="422530"/>
           </a:xfrm>
           <a:prstGeom prst="rect">
             <a:avLst/>
@@ -14691,10 +14709,10 @@
       </p:sp>
       <p:pic>
         <p:nvPicPr>
-          <p:cNvPr id="2" name="Logo">
+          <p:cNvPr id="3" name="Logo" descr="Ein Bild, das Text, Schrift, Grafiken, Grafikdesign enthält.&#10;&#10;KI-generierte Inhalte können fehlerhaft sein.">
             <a:extLst>
               <a:ext uri="{FF2B5EF4-FFF2-40B4-BE49-F238E27FC236}">
-                <a16:creationId xmlns:a16="http://schemas.microsoft.com/office/drawing/2014/main" id="{73D39A0D-D29A-0556-1BD5-B912AF38ACC1}"/>
+                <a16:creationId xmlns:a16="http://schemas.microsoft.com/office/drawing/2014/main" id="{B7B2486B-F300-218B-57A9-AE99CEAE3A4D}"/>
               </a:ext>
             </a:extLst>
           </p:cNvPr>
@@ -14704,15 +14722,21 @@
           <p:nvPr/>
         </p:nvPicPr>
         <p:blipFill>
-          <a:blip r:embed="rId2"/>
+          <a:blip r:embed="rId2">
+            <a:extLst>
+              <a:ext uri="{28A0092B-C50C-407E-A947-70E740481C1C}">
+                <a14:useLocalDpi xmlns:a14="http://schemas.microsoft.com/office/drawing/2010/main" val="0"/>
+              </a:ext>
+            </a:extLst>
+          </a:blip>
           <a:stretch>
             <a:fillRect/>
           </a:stretch>
         </p:blipFill>
         <p:spPr>
           <a:xfrm>
-            <a:off x="9881417" y="141968"/>
-            <a:ext cx="2197475" cy="683314"/>
+            <a:off x="9944739" y="144000"/>
+            <a:ext cx="2142160" cy="422530"/>
           </a:xfrm>
           <a:prstGeom prst="rect">
             <a:avLst/>
@@ -16698,14 +16722,14 @@
             </a:extLst>
           </p:cNvPr>
           <p:cNvGrpSpPr>
-            <a:grpSpLocks noGrp="1" noUngrp="1" noRot="1" noMove="1" noResize="1"/>
+            <a:grpSpLocks noGrp="1" noUngrp="1" noRot="1" noChangeAspect="1" noMove="1" noResize="1"/>
           </p:cNvGrpSpPr>
           <p:nvPr/>
         </p:nvGrpSpPr>
         <p:grpSpPr>
           <a:xfrm>
-            <a:off x="6988257" y="131978"/>
-            <a:ext cx="1150931" cy="1232548"/>
+            <a:off x="6537457" y="1423848"/>
+            <a:ext cx="955040" cy="1022765"/>
             <a:chOff x="8957296" y="313094"/>
             <a:chExt cx="1150931" cy="1232548"/>
           </a:xfrm>
@@ -16721,7 +16745,7 @@
             <a:lin ang="5400000" scaled="1"/>
           </a:gradFill>
           <a:effectLst>
-            <a:outerShdw blurRad="50800" dist="63500" dir="2700000" algn="tl" rotWithShape="0">
+            <a:outerShdw blurRad="50800" dist="38100" dir="2700000" algn="tl" rotWithShape="0">
               <a:prstClr val="black">
                 <a:alpha val="78000"/>
               </a:prstClr>
@@ -17670,10 +17694,10 @@
       </p:grpSp>
       <p:grpSp>
         <p:nvGrpSpPr>
-          <p:cNvPr id="4" name="Pfeil">
+          <p:cNvPr id="2" name="Pfeil">
             <a:extLst>
               <a:ext uri="{FF2B5EF4-FFF2-40B4-BE49-F238E27FC236}">
-                <a16:creationId xmlns:a16="http://schemas.microsoft.com/office/drawing/2014/main" id="{6C4E31D6-7997-C04B-DFA8-48AAE2EB9C7D}"/>
+                <a16:creationId xmlns:a16="http://schemas.microsoft.com/office/drawing/2014/main" id="{6986FA61-2B3A-810A-B2ED-C57151DE03BF}"/>
               </a:ext>
             </a:extLst>
           </p:cNvPr>
@@ -17684,18 +17708,18 @@
         </p:nvGrpSpPr>
         <p:grpSpPr>
           <a:xfrm>
-            <a:off x="5301049" y="883501"/>
-            <a:ext cx="2391294" cy="3391814"/>
-            <a:chOff x="5301049" y="883501"/>
-            <a:chExt cx="2391294" cy="3391814"/>
+            <a:off x="5396946" y="2067339"/>
+            <a:ext cx="1732677" cy="2172516"/>
+            <a:chOff x="5301049" y="853199"/>
+            <a:chExt cx="2316917" cy="3422116"/>
           </a:xfrm>
         </p:grpSpPr>
         <p:sp>
           <p:nvSpPr>
-            <p:cNvPr id="81" name="Pfeil Schatten rechts">
+            <p:cNvPr id="6" name="Pfeil Schatten rechts">
               <a:extLst>
                 <a:ext uri="{FF2B5EF4-FFF2-40B4-BE49-F238E27FC236}">
-                  <a16:creationId xmlns:a16="http://schemas.microsoft.com/office/drawing/2014/main" id="{3A5D9BA6-AEAB-D1F3-C9B9-53519CFAA2D8}"/>
+                  <a16:creationId xmlns:a16="http://schemas.microsoft.com/office/drawing/2014/main" id="{8FBFB89E-AB51-B192-B14F-8500AD986102}"/>
                 </a:ext>
               </a:extLst>
             </p:cNvPr>
@@ -17746,10 +17770,10 @@
         </p:sp>
         <p:sp>
           <p:nvSpPr>
-            <p:cNvPr id="80" name="Pfeil Schatten Spitze">
+            <p:cNvPr id="7" name="Pfeil Schatten Spitze">
               <a:extLst>
                 <a:ext uri="{FF2B5EF4-FFF2-40B4-BE49-F238E27FC236}">
-                  <a16:creationId xmlns:a16="http://schemas.microsoft.com/office/drawing/2014/main" id="{8AC98340-C0F7-568B-72B4-C5FE52579F0D}"/>
+                  <a16:creationId xmlns:a16="http://schemas.microsoft.com/office/drawing/2014/main" id="{C7F825C2-5B9A-B1FD-23A6-CAF7EED15286}"/>
                 </a:ext>
               </a:extLst>
             </p:cNvPr>
@@ -17760,7 +17784,7 @@
           </p:nvSpPr>
           <p:spPr>
             <a:xfrm rot="1620000">
-              <a:off x="6648343" y="883501"/>
+              <a:off x="6573966" y="853199"/>
               <a:ext cx="1044000" cy="900000"/>
             </a:xfrm>
             <a:prstGeom prst="triangle">
@@ -17800,10 +17824,10 @@
         </p:sp>
         <p:sp>
           <p:nvSpPr>
-            <p:cNvPr id="82" name="Pfeil Schatten links">
+            <p:cNvPr id="11" name="Pfeil Schatten links">
               <a:extLst>
                 <a:ext uri="{FF2B5EF4-FFF2-40B4-BE49-F238E27FC236}">
-                  <a16:creationId xmlns:a16="http://schemas.microsoft.com/office/drawing/2014/main" id="{3D026A6F-72B7-70A5-EAE5-84559AABEF4F}"/>
+                  <a16:creationId xmlns:a16="http://schemas.microsoft.com/office/drawing/2014/main" id="{CCB782B1-7490-0244-5E6C-9DD08302FB06}"/>
                 </a:ext>
               </a:extLst>
             </p:cNvPr>
@@ -17854,10 +17878,10 @@
         </p:sp>
         <p:sp>
           <p:nvSpPr>
-            <p:cNvPr id="61" name="Pfeil gruen rechts">
+            <p:cNvPr id="12" name="Pfeil gruen rechts">
               <a:extLst>
                 <a:ext uri="{FF2B5EF4-FFF2-40B4-BE49-F238E27FC236}">
-                  <a16:creationId xmlns:a16="http://schemas.microsoft.com/office/drawing/2014/main" id="{82F8D2B2-88B4-346A-0AAA-A7FBDB5CC058}"/>
+                  <a16:creationId xmlns:a16="http://schemas.microsoft.com/office/drawing/2014/main" id="{1478332C-F7AF-8542-6F41-6156A9B9315C}"/>
                 </a:ext>
               </a:extLst>
             </p:cNvPr>
@@ -17908,10 +17932,10 @@
         </p:sp>
         <p:sp>
           <p:nvSpPr>
-            <p:cNvPr id="62" name="Pfeil tuerkis rechts">
+            <p:cNvPr id="13" name="Pfeil tuerkis rechts">
               <a:extLst>
                 <a:ext uri="{FF2B5EF4-FFF2-40B4-BE49-F238E27FC236}">
-                  <a16:creationId xmlns:a16="http://schemas.microsoft.com/office/drawing/2014/main" id="{41E5796B-4BD7-38F9-7C8B-570A85BA1269}"/>
+                  <a16:creationId xmlns:a16="http://schemas.microsoft.com/office/drawing/2014/main" id="{07D229B2-C50F-3139-42E1-64BEFC73C99B}"/>
                 </a:ext>
               </a:extLst>
             </p:cNvPr>
@@ -17962,10 +17986,10 @@
         </p:sp>
         <p:sp>
           <p:nvSpPr>
-            <p:cNvPr id="63" name="Pfeil Spitze">
+            <p:cNvPr id="14" name="Pfeil Spitze">
               <a:extLst>
                 <a:ext uri="{FF2B5EF4-FFF2-40B4-BE49-F238E27FC236}">
-                  <a16:creationId xmlns:a16="http://schemas.microsoft.com/office/drawing/2014/main" id="{DCDB7A27-472D-0312-0455-64B195A9810E}"/>
+                  <a16:creationId xmlns:a16="http://schemas.microsoft.com/office/drawing/2014/main" id="{1DEBC2F4-1C30-05F5-9F0F-EE4A19D0FEF8}"/>
                 </a:ext>
               </a:extLst>
             </p:cNvPr>
@@ -17976,8 +18000,8 @@
           </p:nvSpPr>
           <p:spPr>
             <a:xfrm rot="1620000">
-              <a:off x="6809213" y="1051158"/>
-              <a:ext cx="699084" cy="638113"/>
+              <a:off x="6734839" y="1020856"/>
+              <a:ext cx="699084" cy="638112"/>
             </a:xfrm>
             <a:prstGeom prst="triangle">
               <a:avLst/>
@@ -18025,10 +18049,10 @@
         </p:sp>
         <p:sp>
           <p:nvSpPr>
-            <p:cNvPr id="65" name="Pfeil tuerkis links">
+            <p:cNvPr id="15" name="Pfeil tuerkis links">
               <a:extLst>
                 <a:ext uri="{FF2B5EF4-FFF2-40B4-BE49-F238E27FC236}">
-                  <a16:creationId xmlns:a16="http://schemas.microsoft.com/office/drawing/2014/main" id="{CBD92DE3-6DE0-4CBA-DF23-AD055C7378F9}"/>
+                  <a16:creationId xmlns:a16="http://schemas.microsoft.com/office/drawing/2014/main" id="{A63DC6FF-96BE-7C00-40F4-2F9DCB2B2956}"/>
                 </a:ext>
               </a:extLst>
             </p:cNvPr>
@@ -18083,10 +18107,10 @@
         </p:sp>
         <p:sp>
           <p:nvSpPr>
-            <p:cNvPr id="64" name="Pfeil gruen links">
+            <p:cNvPr id="16" name="Pfeil gruen links">
               <a:extLst>
                 <a:ext uri="{FF2B5EF4-FFF2-40B4-BE49-F238E27FC236}">
-                  <a16:creationId xmlns:a16="http://schemas.microsoft.com/office/drawing/2014/main" id="{B5C9E7EC-2025-751B-EFD8-5D8A934F3DA1}"/>
+                  <a16:creationId xmlns:a16="http://schemas.microsoft.com/office/drawing/2014/main" id="{0F123A2D-58C5-FE3A-1557-E0CE82D0F9B8}"/>
                 </a:ext>
               </a:extLst>
             </p:cNvPr>
@@ -18137,10 +18161,10 @@
         </p:sp>
         <p:sp>
           <p:nvSpPr>
-            <p:cNvPr id="83" name="Pfeil Schatten unten">
+            <p:cNvPr id="17" name="Pfeil Schatten unten">
               <a:extLst>
                 <a:ext uri="{FF2B5EF4-FFF2-40B4-BE49-F238E27FC236}">
-                  <a16:creationId xmlns:a16="http://schemas.microsoft.com/office/drawing/2014/main" id="{EA831990-45F5-FBBA-359A-EBB48FB98C50}"/>
+                  <a16:creationId xmlns:a16="http://schemas.microsoft.com/office/drawing/2014/main" id="{A20D959E-C4FD-062D-07C2-0A7C9628F8CE}"/>
                 </a:ext>
               </a:extLst>
             </p:cNvPr>
@@ -18151,8 +18175,8 @@
           </p:nvSpPr>
           <p:spPr>
             <a:xfrm>
-              <a:off x="5507008" y="4078084"/>
-              <a:ext cx="478800" cy="108000"/>
+              <a:off x="5466363" y="4089700"/>
+              <a:ext cx="611363" cy="107999"/>
             </a:xfrm>
             <a:prstGeom prst="rect">
               <a:avLst/>
@@ -18397,10 +18421,10 @@
         </p:nvGrpSpPr>
         <p:grpSpPr>
           <a:xfrm>
-            <a:off x="5301049" y="883501"/>
-            <a:ext cx="2391294" cy="3391814"/>
-            <a:chOff x="5301049" y="883501"/>
-            <a:chExt cx="2391294" cy="3391814"/>
+            <a:off x="5396946" y="2067339"/>
+            <a:ext cx="1732677" cy="2172516"/>
+            <a:chOff x="5301049" y="853199"/>
+            <a:chExt cx="2316917" cy="3422116"/>
           </a:xfrm>
         </p:grpSpPr>
         <p:sp>
@@ -18473,7 +18497,7 @@
           </p:nvSpPr>
           <p:spPr>
             <a:xfrm rot="1620000">
-              <a:off x="6648343" y="883501"/>
+              <a:off x="6573966" y="853199"/>
               <a:ext cx="1044000" cy="900000"/>
             </a:xfrm>
             <a:prstGeom prst="triangle">
@@ -18689,8 +18713,8 @@
           </p:nvSpPr>
           <p:spPr>
             <a:xfrm rot="1620000">
-              <a:off x="6809213" y="1051158"/>
-              <a:ext cx="699084" cy="638113"/>
+              <a:off x="6734839" y="1020856"/>
+              <a:ext cx="699084" cy="638112"/>
             </a:xfrm>
             <a:prstGeom prst="triangle">
               <a:avLst/>
@@ -18864,8 +18888,8 @@
           </p:nvSpPr>
           <p:spPr>
             <a:xfrm>
-              <a:off x="5507008" y="4078084"/>
-              <a:ext cx="478800" cy="108000"/>
+              <a:off x="5466363" y="4089700"/>
+              <a:ext cx="611363" cy="107999"/>
             </a:xfrm>
             <a:prstGeom prst="rect">
               <a:avLst/>
@@ -25353,10 +25377,10 @@
       </p:pic>
       <p:pic>
         <p:nvPicPr>
-          <p:cNvPr id="21" name="Logo">
+          <p:cNvPr id="4" name="Logo" descr="Ein Bild, das Text, Schrift, Grafiken, Grafikdesign enthält.&#10;&#10;KI-generierte Inhalte können fehlerhaft sein.">
             <a:extLst>
               <a:ext uri="{FF2B5EF4-FFF2-40B4-BE49-F238E27FC236}">
-                <a16:creationId xmlns:a16="http://schemas.microsoft.com/office/drawing/2014/main" id="{8F813681-F843-7333-5A83-DBDD961CA9AC}"/>
+                <a16:creationId xmlns:a16="http://schemas.microsoft.com/office/drawing/2014/main" id="{68801556-2DA8-0211-0F6F-CA4C4C9FF9A1}"/>
               </a:ext>
             </a:extLst>
           </p:cNvPr>
@@ -25366,15 +25390,21 @@
           <p:nvPr/>
         </p:nvPicPr>
         <p:blipFill>
-          <a:blip r:embed="rId4"/>
+          <a:blip r:embed="rId4">
+            <a:extLst>
+              <a:ext uri="{28A0092B-C50C-407E-A947-70E740481C1C}">
+                <a14:useLocalDpi xmlns:a14="http://schemas.microsoft.com/office/drawing/2010/main" val="0"/>
+              </a:ext>
+            </a:extLst>
+          </a:blip>
           <a:stretch>
             <a:fillRect/>
           </a:stretch>
         </p:blipFill>
         <p:spPr>
           <a:xfrm>
-            <a:off x="9881417" y="141968"/>
-            <a:ext cx="2197475" cy="683314"/>
+            <a:off x="9944739" y="144000"/>
+            <a:ext cx="2142160" cy="422530"/>
           </a:xfrm>
           <a:prstGeom prst="rect">
             <a:avLst/>

--- a/documents/CodeVantis.pptx
+++ b/documents/CodeVantis.pptx
@@ -2947,7 +2947,7 @@
           <a:p>
             <a:fld id="{5D6F7280-8846-4D5C-91D1-686EE7E7F285}" type="datetimeFigureOut">
               <a:rPr lang="de-DE" smtClean="0"/>
-              <a:t>31.03.2025</a:t>
+              <a:t>22.04.2025</a:t>
             </a:fld>
             <a:endParaRPr lang="de-DE"/>
           </a:p>
@@ -3145,7 +3145,7 @@
           <a:p>
             <a:fld id="{5D6F7280-8846-4D5C-91D1-686EE7E7F285}" type="datetimeFigureOut">
               <a:rPr lang="de-DE" smtClean="0"/>
-              <a:t>31.03.2025</a:t>
+              <a:t>22.04.2025</a:t>
             </a:fld>
             <a:endParaRPr lang="de-DE"/>
           </a:p>
@@ -3353,7 +3353,7 @@
           <a:p>
             <a:fld id="{5D6F7280-8846-4D5C-91D1-686EE7E7F285}" type="datetimeFigureOut">
               <a:rPr lang="de-DE" smtClean="0"/>
-              <a:t>31.03.2025</a:t>
+              <a:t>22.04.2025</a:t>
             </a:fld>
             <a:endParaRPr lang="de-DE"/>
           </a:p>
@@ -3551,7 +3551,7 @@
           <a:p>
             <a:fld id="{5D6F7280-8846-4D5C-91D1-686EE7E7F285}" type="datetimeFigureOut">
               <a:rPr lang="de-DE" smtClean="0"/>
-              <a:t>31.03.2025</a:t>
+              <a:t>22.04.2025</a:t>
             </a:fld>
             <a:endParaRPr lang="de-DE"/>
           </a:p>
@@ -3826,7 +3826,7 @@
           <a:p>
             <a:fld id="{5D6F7280-8846-4D5C-91D1-686EE7E7F285}" type="datetimeFigureOut">
               <a:rPr lang="de-DE" smtClean="0"/>
-              <a:t>31.03.2025</a:t>
+              <a:t>22.04.2025</a:t>
             </a:fld>
             <a:endParaRPr lang="de-DE"/>
           </a:p>
@@ -4091,7 +4091,7 @@
           <a:p>
             <a:fld id="{5D6F7280-8846-4D5C-91D1-686EE7E7F285}" type="datetimeFigureOut">
               <a:rPr lang="de-DE" smtClean="0"/>
-              <a:t>31.03.2025</a:t>
+              <a:t>22.04.2025</a:t>
             </a:fld>
             <a:endParaRPr lang="de-DE"/>
           </a:p>
@@ -4503,7 +4503,7 @@
           <a:p>
             <a:fld id="{5D6F7280-8846-4D5C-91D1-686EE7E7F285}" type="datetimeFigureOut">
               <a:rPr lang="de-DE" smtClean="0"/>
-              <a:t>31.03.2025</a:t>
+              <a:t>22.04.2025</a:t>
             </a:fld>
             <a:endParaRPr lang="de-DE"/>
           </a:p>
@@ -4644,7 +4644,7 @@
           <a:p>
             <a:fld id="{5D6F7280-8846-4D5C-91D1-686EE7E7F285}" type="datetimeFigureOut">
               <a:rPr lang="de-DE" smtClean="0"/>
-              <a:t>31.03.2025</a:t>
+              <a:t>22.04.2025</a:t>
             </a:fld>
             <a:endParaRPr lang="de-DE"/>
           </a:p>
@@ -4757,7 +4757,7 @@
           <a:p>
             <a:fld id="{5D6F7280-8846-4D5C-91D1-686EE7E7F285}" type="datetimeFigureOut">
               <a:rPr lang="de-DE" smtClean="0"/>
-              <a:t>31.03.2025</a:t>
+              <a:t>22.04.2025</a:t>
             </a:fld>
             <a:endParaRPr lang="de-DE"/>
           </a:p>
@@ -5068,7 +5068,7 @@
           <a:p>
             <a:fld id="{5D6F7280-8846-4D5C-91D1-686EE7E7F285}" type="datetimeFigureOut">
               <a:rPr lang="de-DE" smtClean="0"/>
-              <a:t>31.03.2025</a:t>
+              <a:t>22.04.2025</a:t>
             </a:fld>
             <a:endParaRPr lang="de-DE"/>
           </a:p>
@@ -5356,7 +5356,7 @@
           <a:p>
             <a:fld id="{5D6F7280-8846-4D5C-91D1-686EE7E7F285}" type="datetimeFigureOut">
               <a:rPr lang="de-DE" smtClean="0"/>
-              <a:t>31.03.2025</a:t>
+              <a:t>22.04.2025</a:t>
             </a:fld>
             <a:endParaRPr lang="de-DE"/>
           </a:p>
@@ -5597,7 +5597,7 @@
           <a:p>
             <a:fld id="{5D6F7280-8846-4D5C-91D1-686EE7E7F285}" type="datetimeFigureOut">
               <a:rPr lang="de-DE" smtClean="0"/>
-              <a:t>31.03.2025</a:t>
+              <a:t>22.04.2025</a:t>
             </a:fld>
             <a:endParaRPr lang="de-DE"/>
           </a:p>
@@ -12190,19 +12190,17 @@
           <p:cNvCxnSpPr>
             <a:cxnSpLocks noGrp="1" noRot="1" noMove="1" noResize="1" noEditPoints="1" noAdjustHandles="1" noChangeArrowheads="1" noChangeShapeType="1"/>
             <a:stCxn id="7" idx="0"/>
-            <a:endCxn id="34" idx="0"/>
+            <a:endCxn id="34" idx="3"/>
           </p:cNvCxnSpPr>
           <p:nvPr/>
         </p:nvCxnSpPr>
         <p:spPr>
           <a:xfrm rot="16200000" flipV="1">
-            <a:off x="4254912" y="-415898"/>
-            <a:ext cx="2027598" cy="5307814"/>
+            <a:off x="4136610" y="1735522"/>
+            <a:ext cx="1408616" cy="1611257"/>
           </a:xfrm>
-          <a:prstGeom prst="bentConnector3">
-            <a:avLst>
-              <a:gd name="adj1" fmla="val 111274"/>
-            </a:avLst>
+          <a:prstGeom prst="bentConnector2">
+            <a:avLst/>
           </a:prstGeom>
           <a:ln w="28575">
             <a:solidFill>
@@ -12229,146 +12227,10 @@
       </p:cxnSp>
       <p:cxnSp>
         <p:nvCxnSpPr>
-          <p:cNvPr id="17" name="thanks -&gt; faq">
+          <p:cNvPr id="35" name="index -&gt; projekt">
             <a:extLst>
               <a:ext uri="{FF2B5EF4-FFF2-40B4-BE49-F238E27FC236}">
-                <a16:creationId xmlns:a16="http://schemas.microsoft.com/office/drawing/2014/main" id="{878DAE92-0D77-E9A0-6F35-002C4EC65302}"/>
-              </a:ext>
-            </a:extLst>
-          </p:cNvPr>
-          <p:cNvCxnSpPr>
-            <a:cxnSpLocks noGrp="1" noRot="1" noMove="1" noResize="1" noEditPoints="1" noAdjustHandles="1" noChangeArrowheads="1" noChangeShapeType="1"/>
-            <a:stCxn id="15" idx="2"/>
-            <a:endCxn id="5" idx="0"/>
-          </p:cNvCxnSpPr>
-          <p:nvPr/>
-        </p:nvCxnSpPr>
-        <p:spPr>
-          <a:xfrm>
-            <a:off x="5449366" y="2449475"/>
-            <a:ext cx="5293713" cy="2763916"/>
-          </a:xfrm>
-          <a:prstGeom prst="straightConnector1">
-            <a:avLst/>
-          </a:prstGeom>
-          <a:ln w="28575">
-            <a:solidFill>
-              <a:srgbClr val="2F3557"/>
-            </a:solidFill>
-            <a:tailEnd type="triangle"/>
-          </a:ln>
-        </p:spPr>
-        <p:style>
-          <a:lnRef idx="2">
-            <a:schemeClr val="accent1"/>
-          </a:lnRef>
-          <a:fillRef idx="0">
-            <a:schemeClr val="accent1"/>
-          </a:fillRef>
-          <a:effectRef idx="1">
-            <a:schemeClr val="accent1"/>
-          </a:effectRef>
-          <a:fontRef idx="minor">
-            <a:schemeClr val="tx1"/>
-          </a:fontRef>
-        </p:style>
-      </p:cxnSp>
-      <p:cxnSp>
-        <p:nvCxnSpPr>
-          <p:cNvPr id="40" name="downloads -&gt; thanks">
-            <a:extLst>
-              <a:ext uri="{FF2B5EF4-FFF2-40B4-BE49-F238E27FC236}">
-                <a16:creationId xmlns:a16="http://schemas.microsoft.com/office/drawing/2014/main" id="{C11FD20D-FCD5-0934-25A1-9C9A0C3425C1}"/>
-              </a:ext>
-            </a:extLst>
-          </p:cNvPr>
-          <p:cNvCxnSpPr>
-            <a:cxnSpLocks noGrp="1" noRot="1" noMove="1" noResize="1" noEditPoints="1" noAdjustHandles="1" noChangeArrowheads="1" noChangeShapeType="1"/>
-            <a:endCxn id="15" idx="2"/>
-          </p:cNvCxnSpPr>
-          <p:nvPr/>
-        </p:nvCxnSpPr>
-        <p:spPr>
-          <a:xfrm flipV="1">
-            <a:off x="5449366" y="2449475"/>
-            <a:ext cx="0" cy="795984"/>
-          </a:xfrm>
-          <a:prstGeom prst="straightConnector1">
-            <a:avLst/>
-          </a:prstGeom>
-          <a:ln w="28575">
-            <a:solidFill>
-              <a:srgbClr val="2F3557"/>
-            </a:solidFill>
-            <a:tailEnd type="triangle"/>
-          </a:ln>
-        </p:spPr>
-        <p:style>
-          <a:lnRef idx="2">
-            <a:schemeClr val="accent1"/>
-          </a:lnRef>
-          <a:fillRef idx="0">
-            <a:schemeClr val="accent1"/>
-          </a:fillRef>
-          <a:effectRef idx="1">
-            <a:schemeClr val="accent1"/>
-          </a:effectRef>
-          <a:fontRef idx="minor">
-            <a:schemeClr val="tx1"/>
-          </a:fontRef>
-        </p:style>
-      </p:cxnSp>
-      <p:cxnSp>
-        <p:nvCxnSpPr>
-          <p:cNvPr id="46" name="downloads -&gt; projekt">
-            <a:extLst>
-              <a:ext uri="{FF2B5EF4-FFF2-40B4-BE49-F238E27FC236}">
-                <a16:creationId xmlns:a16="http://schemas.microsoft.com/office/drawing/2014/main" id="{A0034405-74FB-BBA9-8C3D-02734BD797BF}"/>
-              </a:ext>
-            </a:extLst>
-          </p:cNvPr>
-          <p:cNvCxnSpPr>
-            <a:cxnSpLocks noGrp="1" noRot="1" noMove="1" noResize="1" noEditPoints="1" noAdjustHandles="1" noChangeArrowheads="1" noChangeShapeType="1"/>
-            <a:endCxn id="34" idx="2"/>
-          </p:cNvCxnSpPr>
-          <p:nvPr/>
-        </p:nvCxnSpPr>
-        <p:spPr>
-          <a:xfrm flipH="1" flipV="1">
-            <a:off x="2614804" y="2449476"/>
-            <a:ext cx="2285187" cy="795983"/>
-          </a:xfrm>
-          <a:prstGeom prst="straightConnector1">
-            <a:avLst/>
-          </a:prstGeom>
-          <a:ln w="28575">
-            <a:solidFill>
-              <a:srgbClr val="2F3557"/>
-            </a:solidFill>
-            <a:tailEnd type="triangle"/>
-          </a:ln>
-        </p:spPr>
-        <p:style>
-          <a:lnRef idx="2">
-            <a:schemeClr val="accent1"/>
-          </a:lnRef>
-          <a:fillRef idx="0">
-            <a:schemeClr val="accent1"/>
-          </a:fillRef>
-          <a:effectRef idx="1">
-            <a:schemeClr val="accent1"/>
-          </a:effectRef>
-          <a:fontRef idx="minor">
-            <a:schemeClr val="tx1"/>
-          </a:fontRef>
-        </p:style>
-      </p:cxnSp>
-      <p:cxnSp>
-        <p:nvCxnSpPr>
-          <p:cNvPr id="49" name="projekt -&gt; downloads">
-            <a:extLst>
-              <a:ext uri="{FF2B5EF4-FFF2-40B4-BE49-F238E27FC236}">
-                <a16:creationId xmlns:a16="http://schemas.microsoft.com/office/drawing/2014/main" id="{62BA01A3-5463-5C5C-F5C1-E0CED5F4866F}"/>
+                <a16:creationId xmlns:a16="http://schemas.microsoft.com/office/drawing/2014/main" id="{D346915E-EF1D-BA47-3153-FE2405D23BB6}"/>
               </a:ext>
             </a:extLst>
           </p:cNvPr>
@@ -12378,102 +12240,8 @@
           <p:nvPr/>
         </p:nvCxnSpPr>
         <p:spPr>
-          <a:xfrm>
-            <a:off x="3796748" y="2449475"/>
-            <a:ext cx="1292087" cy="795984"/>
-          </a:xfrm>
-          <a:prstGeom prst="straightConnector1">
-            <a:avLst/>
-          </a:prstGeom>
-          <a:ln w="28575">
-            <a:solidFill>
-              <a:srgbClr val="2F3557"/>
-            </a:solidFill>
-            <a:tailEnd type="triangle"/>
-          </a:ln>
-        </p:spPr>
-        <p:style>
-          <a:lnRef idx="2">
-            <a:schemeClr val="accent1"/>
-          </a:lnRef>
-          <a:fillRef idx="0">
-            <a:schemeClr val="accent1"/>
-          </a:fillRef>
-          <a:effectRef idx="1">
-            <a:schemeClr val="accent1"/>
-          </a:effectRef>
-          <a:fontRef idx="minor">
-            <a:schemeClr val="tx1"/>
-          </a:fontRef>
-        </p:style>
-      </p:cxnSp>
-      <p:cxnSp>
-        <p:nvCxnSpPr>
-          <p:cNvPr id="28" name="index -&gt; downloads">
-            <a:extLst>
-              <a:ext uri="{FF2B5EF4-FFF2-40B4-BE49-F238E27FC236}">
-                <a16:creationId xmlns:a16="http://schemas.microsoft.com/office/drawing/2014/main" id="{F67E7922-B30E-F809-311C-58DC0A54E6AA}"/>
-              </a:ext>
-            </a:extLst>
-          </p:cNvPr>
-          <p:cNvCxnSpPr>
-            <a:cxnSpLocks noGrp="1" noRot="1" noMove="1" noResize="1" noEditPoints="1" noAdjustHandles="1" noChangeArrowheads="1" noChangeShapeType="1"/>
-            <a:stCxn id="3" idx="0"/>
-            <a:endCxn id="14" idx="0"/>
-          </p:cNvCxnSpPr>
-          <p:nvPr/>
-        </p:nvCxnSpPr>
-        <p:spPr>
-          <a:xfrm rot="5400000" flipH="1" flipV="1">
-            <a:off x="3992172" y="1874441"/>
-            <a:ext cx="12700" cy="2754736"/>
-          </a:xfrm>
-          <a:prstGeom prst="bentConnector3">
-            <a:avLst>
-              <a:gd name="adj1" fmla="val 1800000"/>
-            </a:avLst>
-          </a:prstGeom>
-          <a:ln w="28575">
-            <a:solidFill>
-              <a:srgbClr val="2F3557"/>
-            </a:solidFill>
-            <a:tailEnd type="triangle"/>
-          </a:ln>
-        </p:spPr>
-        <p:style>
-          <a:lnRef idx="2">
-            <a:schemeClr val="accent1"/>
-          </a:lnRef>
-          <a:fillRef idx="0">
-            <a:schemeClr val="accent1"/>
-          </a:fillRef>
-          <a:effectRef idx="1">
-            <a:schemeClr val="accent1"/>
-          </a:effectRef>
-          <a:fontRef idx="minor">
-            <a:schemeClr val="tx1"/>
-          </a:fontRef>
-        </p:style>
-      </p:cxnSp>
-      <p:cxnSp>
-        <p:nvCxnSpPr>
-          <p:cNvPr id="35" name="index -&gt; projekt">
-            <a:extLst>
-              <a:ext uri="{FF2B5EF4-FFF2-40B4-BE49-F238E27FC236}">
-                <a16:creationId xmlns:a16="http://schemas.microsoft.com/office/drawing/2014/main" id="{D346915E-EF1D-BA47-3153-FE2405D23BB6}"/>
-              </a:ext>
-            </a:extLst>
-          </p:cNvPr>
-          <p:cNvCxnSpPr>
-            <a:cxnSpLocks noGrp="1" noRot="1" noMove="1" noResize="1" noEditPoints="1" noAdjustHandles="1" noChangeArrowheads="1" noChangeShapeType="1"/>
-            <a:stCxn id="3" idx="0"/>
-            <a:endCxn id="34" idx="2"/>
-          </p:cNvCxnSpPr>
-          <p:nvPr/>
-        </p:nvCxnSpPr>
-        <p:spPr>
           <a:xfrm flipV="1">
-            <a:off x="2614804" y="2449476"/>
+            <a:off x="2515414" y="2449476"/>
             <a:ext cx="0" cy="802333"/>
           </a:xfrm>
           <a:prstGeom prst="straightConnector1">
@@ -12519,12 +12287,12 @@
         </p:nvCxnSpPr>
         <p:spPr>
           <a:xfrm rot="5400000" flipH="1" flipV="1">
-            <a:off x="6633629" y="-767016"/>
-            <a:ext cx="12700" cy="8037650"/>
+            <a:off x="5515779" y="344484"/>
+            <a:ext cx="6350" cy="5808301"/>
           </a:xfrm>
           <a:prstGeom prst="bentConnector3">
             <a:avLst>
-              <a:gd name="adj1" fmla="val 1956528"/>
+              <a:gd name="adj1" fmla="val 3700000"/>
             </a:avLst>
           </a:prstGeom>
           <a:ln w="28575">
@@ -12572,7 +12340,7 @@
           </a:xfrm>
           <a:prstGeom prst="bentConnector4">
             <a:avLst>
-              <a:gd name="adj1" fmla="val -2799"/>
+              <a:gd name="adj1" fmla="val -11895"/>
               <a:gd name="adj2" fmla="val 137314"/>
             </a:avLst>
           </a:prstGeom>
@@ -13175,7 +12943,7 @@
         </p:nvSpPr>
         <p:spPr>
           <a:xfrm>
-            <a:off x="9258731" y="3251809"/>
+            <a:off x="7029382" y="3245459"/>
             <a:ext cx="2787446" cy="1225264"/>
           </a:xfrm>
           <a:prstGeom prst="rect">
@@ -13293,7 +13061,7 @@
         </p:nvSpPr>
         <p:spPr>
           <a:xfrm>
-            <a:off x="6703790" y="3251808"/>
+            <a:off x="4427718" y="3245459"/>
             <a:ext cx="2437655" cy="1225265"/>
           </a:xfrm>
           <a:prstGeom prst="rect">
@@ -13350,95 +13118,6 @@
                 <a:ea typeface="Verdana" panose="020B0604030504040204" pitchFamily="34" charset="0"/>
               </a:rPr>
               <a:t>Coming Soon Countdown, 1 Karte pro News</a:t>
-            </a:r>
-          </a:p>
-        </p:txBody>
-      </p:sp>
-      <p:sp>
-        <p:nvSpPr>
-          <p:cNvPr id="14" name="downloads.html">
-            <a:extLst>
-              <a:ext uri="{FF2B5EF4-FFF2-40B4-BE49-F238E27FC236}">
-                <a16:creationId xmlns:a16="http://schemas.microsoft.com/office/drawing/2014/main" id="{8B6A09CD-E11C-0499-C9B8-3F98C8E93046}"/>
-              </a:ext>
-            </a:extLst>
-          </p:cNvPr>
-          <p:cNvSpPr>
-            <a:spLocks noGrp="1" noRot="1" noMove="1" noResize="1" noEditPoints="1" noAdjustHandles="1" noChangeArrowheads="1" noChangeShapeType="1"/>
-          </p:cNvSpPr>
-          <p:nvPr/>
-        </p:nvSpPr>
-        <p:spPr>
-          <a:xfrm>
-            <a:off x="4150712" y="3251809"/>
-            <a:ext cx="2437655" cy="1225266"/>
-          </a:xfrm>
-          <a:prstGeom prst="rect">
-            <a:avLst/>
-          </a:prstGeom>
-          <a:solidFill>
-            <a:srgbClr val="EFEFEF"/>
-          </a:solidFill>
-          <a:ln>
-            <a:solidFill>
-              <a:srgbClr val="2F3557"/>
-            </a:solidFill>
-          </a:ln>
-        </p:spPr>
-        <p:style>
-          <a:lnRef idx="2">
-            <a:schemeClr val="accent1">
-              <a:shade val="15000"/>
-            </a:schemeClr>
-          </a:lnRef>
-          <a:fillRef idx="1">
-            <a:schemeClr val="accent1"/>
-          </a:fillRef>
-          <a:effectRef idx="0">
-            <a:schemeClr val="accent1"/>
-          </a:effectRef>
-          <a:fontRef idx="minor">
-            <a:schemeClr val="lt1"/>
-          </a:fontRef>
-        </p:style>
-        <p:txBody>
-          <a:bodyPr rtlCol="0" anchor="ctr"/>
-          <a:lstStyle/>
-          <a:p>
-            <a:pPr algn="ctr"/>
-            <a:r>
-              <a:rPr lang="de-DE" b="1" dirty="0">
-                <a:solidFill>
-                  <a:srgbClr val="2F3557"/>
-                </a:solidFill>
-                <a:latin typeface="Verdana" panose="020B0604030504040204" pitchFamily="34" charset="0"/>
-                <a:ea typeface="Verdana" panose="020B0604030504040204" pitchFamily="34" charset="0"/>
-              </a:rPr>
-              <a:t>downloads.html</a:t>
-            </a:r>
-          </a:p>
-          <a:p>
-            <a:r>
-              <a:rPr lang="de-DE" dirty="0">
-                <a:solidFill>
-                  <a:srgbClr val="2F3557"/>
-                </a:solidFill>
-                <a:latin typeface="Verdana" panose="020B0604030504040204" pitchFamily="34" charset="0"/>
-                <a:ea typeface="Verdana" panose="020B0604030504040204" pitchFamily="34" charset="0"/>
-              </a:rPr>
-              <a:t>Karte pro Projekt mit Downloadlink,</a:t>
-            </a:r>
-          </a:p>
-          <a:p>
-            <a:r>
-              <a:rPr lang="de-DE" dirty="0">
-                <a:solidFill>
-                  <a:srgbClr val="2F3557"/>
-                </a:solidFill>
-                <a:latin typeface="Verdana" panose="020B0604030504040204" pitchFamily="34" charset="0"/>
-                <a:ea typeface="Verdana" panose="020B0604030504040204" pitchFamily="34" charset="0"/>
-              </a:rPr>
-              <a:t>Version, Projektinfo</a:t>
             </a:r>
           </a:p>
         </p:txBody>
@@ -13596,95 +13275,6 @@
       </p:sp>
       <p:sp>
         <p:nvSpPr>
-          <p:cNvPr id="15" name="thanks.html">
-            <a:extLst>
-              <a:ext uri="{FF2B5EF4-FFF2-40B4-BE49-F238E27FC236}">
-                <a16:creationId xmlns:a16="http://schemas.microsoft.com/office/drawing/2014/main" id="{DD4D7049-2CEC-77BF-5A42-A6BCAE931E9F}"/>
-              </a:ext>
-            </a:extLst>
-          </p:cNvPr>
-          <p:cNvSpPr>
-            <a:spLocks noGrp="1" noRot="1" noMove="1" noResize="1" noEditPoints="1" noAdjustHandles="1" noChangeArrowheads="1" noChangeShapeType="1"/>
-          </p:cNvSpPr>
-          <p:nvPr/>
-        </p:nvSpPr>
-        <p:spPr>
-          <a:xfrm>
-            <a:off x="4105660" y="1224209"/>
-            <a:ext cx="2687411" cy="1225266"/>
-          </a:xfrm>
-          <a:prstGeom prst="rect">
-            <a:avLst/>
-          </a:prstGeom>
-          <a:solidFill>
-            <a:srgbClr val="EFEFEF"/>
-          </a:solidFill>
-          <a:ln>
-            <a:solidFill>
-              <a:srgbClr val="2F3557"/>
-            </a:solidFill>
-          </a:ln>
-        </p:spPr>
-        <p:style>
-          <a:lnRef idx="2">
-            <a:schemeClr val="accent1">
-              <a:shade val="15000"/>
-            </a:schemeClr>
-          </a:lnRef>
-          <a:fillRef idx="1">
-            <a:schemeClr val="accent1"/>
-          </a:fillRef>
-          <a:effectRef idx="0">
-            <a:schemeClr val="accent1"/>
-          </a:effectRef>
-          <a:fontRef idx="minor">
-            <a:schemeClr val="lt1"/>
-          </a:fontRef>
-        </p:style>
-        <p:txBody>
-          <a:bodyPr rtlCol="0" anchor="ctr"/>
-          <a:lstStyle/>
-          <a:p>
-            <a:pPr algn="ctr"/>
-            <a:r>
-              <a:rPr lang="de-DE" b="1" dirty="0">
-                <a:solidFill>
-                  <a:srgbClr val="2F3557"/>
-                </a:solidFill>
-                <a:latin typeface="Verdana" panose="020B0604030504040204" pitchFamily="34" charset="0"/>
-                <a:ea typeface="Verdana" panose="020B0604030504040204" pitchFamily="34" charset="0"/>
-              </a:rPr>
-              <a:t>thanks.html</a:t>
-            </a:r>
-          </a:p>
-          <a:p>
-            <a:r>
-              <a:rPr lang="de-DE" dirty="0">
-                <a:solidFill>
-                  <a:srgbClr val="2F3557"/>
-                </a:solidFill>
-                <a:latin typeface="Verdana" panose="020B0604030504040204" pitchFamily="34" charset="0"/>
-                <a:ea typeface="Verdana" panose="020B0604030504040204" pitchFamily="34" charset="0"/>
-              </a:rPr>
-              <a:t>Danke für Download</a:t>
-            </a:r>
-          </a:p>
-          <a:p>
-            <a:r>
-              <a:rPr lang="de-DE" dirty="0">
-                <a:solidFill>
-                  <a:srgbClr val="2F3557"/>
-                </a:solidFill>
-                <a:latin typeface="Verdana" panose="020B0604030504040204" pitchFamily="34" charset="0"/>
-                <a:ea typeface="Verdana" panose="020B0604030504040204" pitchFamily="34" charset="0"/>
-              </a:rPr>
-              <a:t>Link zu FAQ + Installationsanleitung</a:t>
-            </a:r>
-          </a:p>
-        </p:txBody>
-      </p:sp>
-      <p:sp>
-        <p:nvSpPr>
           <p:cNvPr id="34" name="projekt.html">
             <a:extLst>
               <a:ext uri="{FF2B5EF4-FFF2-40B4-BE49-F238E27FC236}">
@@ -13755,25 +13345,8 @@
                 <a:latin typeface="Verdana" panose="020B0604030504040204" pitchFamily="34" charset="0"/>
                 <a:ea typeface="Verdana" panose="020B0604030504040204" pitchFamily="34" charset="0"/>
               </a:rPr>
-              <a:t>genaue Beschreibung, Bilder, Versionsverlauf, </a:t>
+              <a:t>genaue Beschreibung, Bilder, Versionsverlauf, Video, Download</a:t>
             </a:r>
-            <a:r>
-              <a:rPr lang="de-DE" dirty="0" err="1">
-                <a:solidFill>
-                  <a:srgbClr val="2F3557"/>
-                </a:solidFill>
-                <a:latin typeface="Verdana" panose="020B0604030504040204" pitchFamily="34" charset="0"/>
-                <a:ea typeface="Verdana" panose="020B0604030504040204" pitchFamily="34" charset="0"/>
-              </a:rPr>
-              <a:t>Changelog</a:t>
-            </a:r>
-            <a:endParaRPr lang="de-DE" dirty="0">
-              <a:solidFill>
-                <a:srgbClr val="2F3557"/>
-              </a:solidFill>
-              <a:latin typeface="Verdana" panose="020B0604030504040204" pitchFamily="34" charset="0"/>
-              <a:ea typeface="Verdana" panose="020B0604030504040204" pitchFamily="34" charset="0"/>
-            </a:endParaRPr>
           </a:p>
         </p:txBody>
       </p:sp>
@@ -14016,7 +13589,7 @@
                                           </p:stCondLst>
                                         </p:cTn>
                                         <p:tgtEl>
-                                          <p:spTgt spid="28"/>
+                                          <p:spTgt spid="57"/>
                                         </p:tgtEl>
                                         <p:attrNameLst>
                                           <p:attrName>style.visibility</p:attrName>
@@ -14029,271 +13602,6 @@
                                     <p:animEffect transition="in" filter="fade">
                                       <p:cBhvr>
                                         <p:cTn id="22" dur="500"/>
-                                        <p:tgtEl>
-                                          <p:spTgt spid="28"/>
-                                        </p:tgtEl>
-                                      </p:cBhvr>
-                                    </p:animEffect>
-                                  </p:childTnLst>
-                                </p:cTn>
-                              </p:par>
-                            </p:childTnLst>
-                          </p:cTn>
-                        </p:par>
-                      </p:childTnLst>
-                    </p:cTn>
-                  </p:par>
-                  <p:par>
-                    <p:cTn id="23" fill="hold">
-                      <p:stCondLst>
-                        <p:cond delay="indefinite"/>
-                      </p:stCondLst>
-                      <p:childTnLst>
-                        <p:par>
-                          <p:cTn id="24" fill="hold">
-                            <p:stCondLst>
-                              <p:cond delay="0"/>
-                            </p:stCondLst>
-                            <p:childTnLst>
-                              <p:par>
-                                <p:cTn id="25" presetID="10" presetClass="entr" presetSubtype="0" fill="hold" nodeType="clickEffect">
-                                  <p:stCondLst>
-                                    <p:cond delay="0"/>
-                                  </p:stCondLst>
-                                  <p:childTnLst>
-                                    <p:set>
-                                      <p:cBhvr>
-                                        <p:cTn id="26" dur="1" fill="hold">
-                                          <p:stCondLst>
-                                            <p:cond delay="0"/>
-                                          </p:stCondLst>
-                                        </p:cTn>
-                                        <p:tgtEl>
-                                          <p:spTgt spid="49"/>
-                                        </p:tgtEl>
-                                        <p:attrNameLst>
-                                          <p:attrName>style.visibility</p:attrName>
-                                        </p:attrNameLst>
-                                      </p:cBhvr>
-                                      <p:to>
-                                        <p:strVal val="visible"/>
-                                      </p:to>
-                                    </p:set>
-                                    <p:animEffect transition="in" filter="fade">
-                                      <p:cBhvr>
-                                        <p:cTn id="27" dur="500"/>
-                                        <p:tgtEl>
-                                          <p:spTgt spid="49"/>
-                                        </p:tgtEl>
-                                      </p:cBhvr>
-                                    </p:animEffect>
-                                  </p:childTnLst>
-                                </p:cTn>
-                              </p:par>
-                            </p:childTnLst>
-                          </p:cTn>
-                        </p:par>
-                      </p:childTnLst>
-                    </p:cTn>
-                  </p:par>
-                  <p:par>
-                    <p:cTn id="28" fill="hold">
-                      <p:stCondLst>
-                        <p:cond delay="indefinite"/>
-                      </p:stCondLst>
-                      <p:childTnLst>
-                        <p:par>
-                          <p:cTn id="29" fill="hold">
-                            <p:stCondLst>
-                              <p:cond delay="0"/>
-                            </p:stCondLst>
-                            <p:childTnLst>
-                              <p:par>
-                                <p:cTn id="30" presetID="10" presetClass="entr" presetSubtype="0" fill="hold" nodeType="clickEffect">
-                                  <p:stCondLst>
-                                    <p:cond delay="0"/>
-                                  </p:stCondLst>
-                                  <p:childTnLst>
-                                    <p:set>
-                                      <p:cBhvr>
-                                        <p:cTn id="31" dur="1" fill="hold">
-                                          <p:stCondLst>
-                                            <p:cond delay="0"/>
-                                          </p:stCondLst>
-                                        </p:cTn>
-                                        <p:tgtEl>
-                                          <p:spTgt spid="46"/>
-                                        </p:tgtEl>
-                                        <p:attrNameLst>
-                                          <p:attrName>style.visibility</p:attrName>
-                                        </p:attrNameLst>
-                                      </p:cBhvr>
-                                      <p:to>
-                                        <p:strVal val="visible"/>
-                                      </p:to>
-                                    </p:set>
-                                    <p:animEffect transition="in" filter="fade">
-                                      <p:cBhvr>
-                                        <p:cTn id="32" dur="500"/>
-                                        <p:tgtEl>
-                                          <p:spTgt spid="46"/>
-                                        </p:tgtEl>
-                                      </p:cBhvr>
-                                    </p:animEffect>
-                                  </p:childTnLst>
-                                </p:cTn>
-                              </p:par>
-                            </p:childTnLst>
-                          </p:cTn>
-                        </p:par>
-                      </p:childTnLst>
-                    </p:cTn>
-                  </p:par>
-                  <p:par>
-                    <p:cTn id="33" fill="hold">
-                      <p:stCondLst>
-                        <p:cond delay="indefinite"/>
-                      </p:stCondLst>
-                      <p:childTnLst>
-                        <p:par>
-                          <p:cTn id="34" fill="hold">
-                            <p:stCondLst>
-                              <p:cond delay="0"/>
-                            </p:stCondLst>
-                            <p:childTnLst>
-                              <p:par>
-                                <p:cTn id="35" presetID="10" presetClass="entr" presetSubtype="0" fill="hold" nodeType="clickEffect">
-                                  <p:stCondLst>
-                                    <p:cond delay="0"/>
-                                  </p:stCondLst>
-                                  <p:childTnLst>
-                                    <p:set>
-                                      <p:cBhvr>
-                                        <p:cTn id="36" dur="1" fill="hold">
-                                          <p:stCondLst>
-                                            <p:cond delay="0"/>
-                                          </p:stCondLst>
-                                        </p:cTn>
-                                        <p:tgtEl>
-                                          <p:spTgt spid="40"/>
-                                        </p:tgtEl>
-                                        <p:attrNameLst>
-                                          <p:attrName>style.visibility</p:attrName>
-                                        </p:attrNameLst>
-                                      </p:cBhvr>
-                                      <p:to>
-                                        <p:strVal val="visible"/>
-                                      </p:to>
-                                    </p:set>
-                                    <p:animEffect transition="in" filter="fade">
-                                      <p:cBhvr>
-                                        <p:cTn id="37" dur="500"/>
-                                        <p:tgtEl>
-                                          <p:spTgt spid="40"/>
-                                        </p:tgtEl>
-                                      </p:cBhvr>
-                                    </p:animEffect>
-                                  </p:childTnLst>
-                                </p:cTn>
-                              </p:par>
-                            </p:childTnLst>
-                          </p:cTn>
-                        </p:par>
-                      </p:childTnLst>
-                    </p:cTn>
-                  </p:par>
-                  <p:par>
-                    <p:cTn id="38" fill="hold">
-                      <p:stCondLst>
-                        <p:cond delay="indefinite"/>
-                      </p:stCondLst>
-                      <p:childTnLst>
-                        <p:par>
-                          <p:cTn id="39" fill="hold">
-                            <p:stCondLst>
-                              <p:cond delay="0"/>
-                            </p:stCondLst>
-                            <p:childTnLst>
-                              <p:par>
-                                <p:cTn id="40" presetID="10" presetClass="entr" presetSubtype="0" fill="hold" nodeType="clickEffect">
-                                  <p:stCondLst>
-                                    <p:cond delay="0"/>
-                                  </p:stCondLst>
-                                  <p:childTnLst>
-                                    <p:set>
-                                      <p:cBhvr>
-                                        <p:cTn id="41" dur="1" fill="hold">
-                                          <p:stCondLst>
-                                            <p:cond delay="0"/>
-                                          </p:stCondLst>
-                                        </p:cTn>
-                                        <p:tgtEl>
-                                          <p:spTgt spid="17"/>
-                                        </p:tgtEl>
-                                        <p:attrNameLst>
-                                          <p:attrName>style.visibility</p:attrName>
-                                        </p:attrNameLst>
-                                      </p:cBhvr>
-                                      <p:to>
-                                        <p:strVal val="visible"/>
-                                      </p:to>
-                                    </p:set>
-                                    <p:animEffect transition="in" filter="fade">
-                                      <p:cBhvr>
-                                        <p:cTn id="42" dur="500"/>
-                                        <p:tgtEl>
-                                          <p:spTgt spid="17"/>
-                                        </p:tgtEl>
-                                      </p:cBhvr>
-                                    </p:animEffect>
-                                  </p:childTnLst>
-                                </p:cTn>
-                              </p:par>
-                            </p:childTnLst>
-                          </p:cTn>
-                        </p:par>
-                      </p:childTnLst>
-                    </p:cTn>
-                  </p:par>
-                  <p:par>
-                    <p:cTn id="43" fill="hold">
-                      <p:stCondLst>
-                        <p:cond delay="indefinite"/>
-                      </p:stCondLst>
-                      <p:childTnLst>
-                        <p:par>
-                          <p:cTn id="44" fill="hold">
-                            <p:stCondLst>
-                              <p:cond delay="0"/>
-                            </p:stCondLst>
-                            <p:childTnLst>
-                              <p:par>
-                                <p:cTn id="45" presetID="10" presetClass="entr" presetSubtype="0" fill="hold" nodeType="clickEffect">
-                                  <p:stCondLst>
-                                    <p:cond delay="0"/>
-                                  </p:stCondLst>
-                                  <p:childTnLst>
-                                    <p:set>
-                                      <p:cBhvr>
-                                        <p:cTn id="46" dur="1" fill="hold">
-                                          <p:stCondLst>
-                                            <p:cond delay="0"/>
-                                          </p:stCondLst>
-                                        </p:cTn>
-                                        <p:tgtEl>
-                                          <p:spTgt spid="57"/>
-                                        </p:tgtEl>
-                                        <p:attrNameLst>
-                                          <p:attrName>style.visibility</p:attrName>
-                                        </p:attrNameLst>
-                                      </p:cBhvr>
-                                      <p:to>
-                                        <p:strVal val="visible"/>
-                                      </p:to>
-                                    </p:set>
-                                    <p:animEffect transition="in" filter="fade">
-                                      <p:cBhvr>
-                                        <p:cTn id="47" dur="500"/>
                                         <p:tgtEl>
                                           <p:spTgt spid="57"/>
                                         </p:tgtEl>
